--- a/group M presentation.pptx
+++ b/group M presentation.pptx
@@ -13386,8 +13386,8 @@
         </p:blipFill>
         <p:spPr>
           <a:xfrm>
-            <a:off x="3156673" y="1790576"/>
-            <a:ext cx="5868006" cy="3657724"/>
+            <a:off x="2712006" y="1580050"/>
+            <a:ext cx="6757340" cy="4212076"/>
           </a:xfrm>
           <a:prstGeom prst="rect">
             <a:avLst/>
